--- a/documents/졸프_최종발표.pptx
+++ b/documents/졸프_최종발표.pptx
@@ -283,7 +283,7 @@
           <a:p>
             <a:fld id="{29D1D92F-6811-4904-A703-CAC674A6FB49}" type="datetimeFigureOut">
               <a:rPr lang="ko-KR" altLang="en-US" smtClean="0"/>
-              <a:t>2019-06-18</a:t>
+              <a:t>2019-06-19</a:t>
             </a:fld>
             <a:endParaRPr lang="ko-KR" altLang="en-US"/>
           </a:p>
@@ -481,7 +481,7 @@
           <a:p>
             <a:fld id="{90048598-6D35-43ED-A7A9-749CF1B40A27}" type="datetimeFigureOut">
               <a:rPr lang="ko-KR" altLang="en-US" smtClean="0"/>
-              <a:t>2019-06-18</a:t>
+              <a:t>2019-06-19</a:t>
             </a:fld>
             <a:endParaRPr lang="ko-KR" altLang="en-US"/>
           </a:p>
@@ -689,7 +689,7 @@
           <a:p>
             <a:fld id="{90048598-6D35-43ED-A7A9-749CF1B40A27}" type="datetimeFigureOut">
               <a:rPr lang="ko-KR" altLang="en-US" smtClean="0"/>
-              <a:t>2019-06-18</a:t>
+              <a:t>2019-06-19</a:t>
             </a:fld>
             <a:endParaRPr lang="ko-KR" altLang="en-US"/>
           </a:p>
@@ -2028,7 +2028,7 @@
           <a:p>
             <a:fld id="{29D1D92F-6811-4904-A703-CAC674A6FB49}" type="datetimeFigureOut">
               <a:rPr lang="ko-KR" altLang="en-US" smtClean="0"/>
-              <a:t>2019-06-18</a:t>
+              <a:t>2019-06-19</a:t>
             </a:fld>
             <a:endParaRPr lang="ko-KR" altLang="en-US"/>
           </a:p>
@@ -2303,7 +2303,7 @@
           <a:p>
             <a:fld id="{29D1D92F-6811-4904-A703-CAC674A6FB49}" type="datetimeFigureOut">
               <a:rPr lang="ko-KR" altLang="en-US" smtClean="0"/>
-              <a:t>2019-06-18</a:t>
+              <a:t>2019-06-19</a:t>
             </a:fld>
             <a:endParaRPr lang="ko-KR" altLang="en-US"/>
           </a:p>
@@ -2568,7 +2568,7 @@
           <a:p>
             <a:fld id="{90048598-6D35-43ED-A7A9-749CF1B40A27}" type="datetimeFigureOut">
               <a:rPr lang="ko-KR" altLang="en-US" smtClean="0"/>
-              <a:t>2019-06-18</a:t>
+              <a:t>2019-06-19</a:t>
             </a:fld>
             <a:endParaRPr lang="ko-KR" altLang="en-US"/>
           </a:p>
@@ -2980,7 +2980,7 @@
           <a:p>
             <a:fld id="{90048598-6D35-43ED-A7A9-749CF1B40A27}" type="datetimeFigureOut">
               <a:rPr lang="ko-KR" altLang="en-US" smtClean="0"/>
-              <a:t>2019-06-18</a:t>
+              <a:t>2019-06-19</a:t>
             </a:fld>
             <a:endParaRPr lang="ko-KR" altLang="en-US"/>
           </a:p>
@@ -3121,7 +3121,7 @@
           <a:p>
             <a:fld id="{90048598-6D35-43ED-A7A9-749CF1B40A27}" type="datetimeFigureOut">
               <a:rPr lang="ko-KR" altLang="en-US" smtClean="0"/>
-              <a:t>2019-06-18</a:t>
+              <a:t>2019-06-19</a:t>
             </a:fld>
             <a:endParaRPr lang="ko-KR" altLang="en-US"/>
           </a:p>
@@ -3234,7 +3234,7 @@
           <a:p>
             <a:fld id="{90048598-6D35-43ED-A7A9-749CF1B40A27}" type="datetimeFigureOut">
               <a:rPr lang="ko-KR" altLang="en-US" smtClean="0"/>
-              <a:t>2019-06-18</a:t>
+              <a:t>2019-06-19</a:t>
             </a:fld>
             <a:endParaRPr lang="ko-KR" altLang="en-US"/>
           </a:p>
@@ -3545,7 +3545,7 @@
           <a:p>
             <a:fld id="{90048598-6D35-43ED-A7A9-749CF1B40A27}" type="datetimeFigureOut">
               <a:rPr lang="ko-KR" altLang="en-US" smtClean="0"/>
-              <a:t>2019-06-18</a:t>
+              <a:t>2019-06-19</a:t>
             </a:fld>
             <a:endParaRPr lang="ko-KR" altLang="en-US"/>
           </a:p>
@@ -3833,7 +3833,7 @@
           <a:p>
             <a:fld id="{90048598-6D35-43ED-A7A9-749CF1B40A27}" type="datetimeFigureOut">
               <a:rPr lang="ko-KR" altLang="en-US" smtClean="0"/>
-              <a:t>2019-06-18</a:t>
+              <a:t>2019-06-19</a:t>
             </a:fld>
             <a:endParaRPr lang="ko-KR" altLang="en-US"/>
           </a:p>
@@ -4074,7 +4074,7 @@
           <a:p>
             <a:fld id="{29D1D92F-6811-4904-A703-CAC674A6FB49}" type="datetimeFigureOut">
               <a:rPr lang="ko-KR" altLang="en-US" smtClean="0"/>
-              <a:t>2019-06-18</a:t>
+              <a:t>2019-06-19</a:t>
             </a:fld>
             <a:endParaRPr lang="ko-KR" altLang="en-US"/>
           </a:p>
@@ -5568,15 +5568,22 @@
               <a:buAutoNum type="arabicPeriod"/>
             </a:pPr>
             <a:r>
-              <a:rPr lang="en-US" altLang="ko-KR" sz="2400" dirty="0">
+              <a:rPr lang="en-US" altLang="ko-KR" sz="2400">
                 <a:solidFill>
                   <a:srgbClr val="496F74"/>
                 </a:solidFill>
                 <a:latin typeface="Calibri" panose="020F0502020204030204" pitchFamily="34" charset="0"/>
                 <a:cs typeface="Calibri" panose="020F0502020204030204" pitchFamily="34" charset="0"/>
               </a:rPr>
-              <a:t>Functions</a:t>
+              <a:t>Main Functions</a:t>
             </a:r>
+            <a:endParaRPr lang="en-US" altLang="ko-KR" sz="2400" dirty="0">
+              <a:solidFill>
+                <a:srgbClr val="496F74"/>
+              </a:solidFill>
+              <a:latin typeface="Calibri" panose="020F0502020204030204" pitchFamily="34" charset="0"/>
+              <a:cs typeface="Calibri" panose="020F0502020204030204" pitchFamily="34" charset="0"/>
+            </a:endParaRPr>
           </a:p>
           <a:p>
             <a:pPr marL="514350" indent="-514350">
@@ -6562,7 +6569,7 @@
                 <a:latin typeface="Calibri" panose="020F0502020204030204" pitchFamily="34" charset="0"/>
                 <a:cs typeface="Calibri" panose="020F0502020204030204" pitchFamily="34" charset="0"/>
               </a:rPr>
-              <a:t>Functions – Streaming</a:t>
+              <a:t>Main Functions – Streaming</a:t>
             </a:r>
             <a:endParaRPr lang="ko-KR" altLang="en-US" sz="3200" dirty="0">
               <a:solidFill>
@@ -7118,7 +7125,7 @@
         <p:spPr>
           <a:xfrm>
             <a:off x="2645492" y="455371"/>
-            <a:ext cx="6369416" cy="537687"/>
+            <a:ext cx="7359120" cy="537687"/>
           </a:xfrm>
           <a:prstGeom prst="rect">
             <a:avLst/>
@@ -7302,7 +7309,7 @@
                 <a:latin typeface="Calibri" panose="020F0502020204030204" pitchFamily="34" charset="0"/>
                 <a:cs typeface="Calibri" panose="020F0502020204030204" pitchFamily="34" charset="0"/>
               </a:rPr>
-              <a:t>Functions – Temperature detection</a:t>
+              <a:t>Main Functions – Temperature detection</a:t>
             </a:r>
             <a:endParaRPr lang="ko-KR" altLang="en-US" sz="3200" dirty="0">
               <a:solidFill>
@@ -8362,7 +8369,7 @@
         <p:spPr>
           <a:xfrm>
             <a:off x="2645492" y="455371"/>
-            <a:ext cx="5539306" cy="537687"/>
+            <a:ext cx="6505628" cy="537687"/>
           </a:xfrm>
           <a:prstGeom prst="rect">
             <a:avLst/>
@@ -8546,7 +8553,7 @@
                 <a:latin typeface="Calibri" panose="020F0502020204030204" pitchFamily="34" charset="0"/>
                 <a:cs typeface="Calibri" panose="020F0502020204030204" pitchFamily="34" charset="0"/>
               </a:rPr>
-              <a:t>Functions – Motion detection</a:t>
+              <a:t>Main Functions – Motion detection</a:t>
             </a:r>
             <a:endParaRPr lang="ko-KR" altLang="en-US" sz="3200" dirty="0">
               <a:solidFill>
@@ -8790,7 +8797,7 @@
         <p:spPr>
           <a:xfrm>
             <a:off x="3871028" y="3046536"/>
-            <a:ext cx="1700716" cy="1549847"/>
+            <a:ext cx="1443249" cy="1549847"/>
           </a:xfrm>
           <a:prstGeom prst="rect">
             <a:avLst/>
@@ -9113,10 +9120,10 @@
       </p:sp>
       <p:sp>
         <p:nvSpPr>
-          <p:cNvPr id="16" name="직사각형 15">
-            <a:extLst>
-              <a:ext uri="{FF2B5EF4-FFF2-40B4-BE49-F238E27FC236}">
-                <a16:creationId xmlns:a16="http://schemas.microsoft.com/office/drawing/2014/main" id="{62C24C43-3D5D-485C-9C11-4826CBCE1B53}"/>
+          <p:cNvPr id="18" name="직사각형 17">
+            <a:extLst>
+              <a:ext uri="{FF2B5EF4-FFF2-40B4-BE49-F238E27FC236}">
+                <a16:creationId xmlns:a16="http://schemas.microsoft.com/office/drawing/2014/main" id="{EC07A683-022B-4661-A171-4A31C072D94F}"/>
               </a:ext>
             </a:extLst>
           </p:cNvPr>
@@ -9125,8 +9132,8 @@
         </p:nvSpPr>
         <p:spPr>
           <a:xfrm>
-            <a:off x="6582460" y="2705799"/>
-            <a:ext cx="470730" cy="1283816"/>
+            <a:off x="5939168" y="993058"/>
+            <a:ext cx="1705216" cy="1712741"/>
           </a:xfrm>
           <a:prstGeom prst="rect">
             <a:avLst/>
@@ -9169,10 +9176,10 @@
       </p:sp>
       <p:sp>
         <p:nvSpPr>
-          <p:cNvPr id="17" name="직사각형 16">
-            <a:extLst>
-              <a:ext uri="{FF2B5EF4-FFF2-40B4-BE49-F238E27FC236}">
-                <a16:creationId xmlns:a16="http://schemas.microsoft.com/office/drawing/2014/main" id="{FAE8DDFF-89F0-4EE6-95E6-5BF9AF5CC61E}"/>
+          <p:cNvPr id="19" name="직사각형 18">
+            <a:extLst>
+              <a:ext uri="{FF2B5EF4-FFF2-40B4-BE49-F238E27FC236}">
+                <a16:creationId xmlns:a16="http://schemas.microsoft.com/office/drawing/2014/main" id="{97EDFF73-7FE1-4A40-B5E6-203A3619A1AF}"/>
               </a:ext>
             </a:extLst>
           </p:cNvPr>
@@ -9181,8 +9188,8 @@
         </p:nvSpPr>
         <p:spPr>
           <a:xfrm>
-            <a:off x="9151121" y="2652195"/>
-            <a:ext cx="470730" cy="1337420"/>
+            <a:off x="8618390" y="993058"/>
+            <a:ext cx="1536192" cy="1659137"/>
           </a:xfrm>
           <a:prstGeom prst="rect">
             <a:avLst/>
@@ -9225,10 +9232,10 @@
       </p:sp>
       <p:sp>
         <p:nvSpPr>
-          <p:cNvPr id="18" name="직사각형 17">
-            <a:extLst>
-              <a:ext uri="{FF2B5EF4-FFF2-40B4-BE49-F238E27FC236}">
-                <a16:creationId xmlns:a16="http://schemas.microsoft.com/office/drawing/2014/main" id="{EC07A683-022B-4661-A171-4A31C072D94F}"/>
+          <p:cNvPr id="21" name="직사각형 20">
+            <a:extLst>
+              <a:ext uri="{FF2B5EF4-FFF2-40B4-BE49-F238E27FC236}">
+                <a16:creationId xmlns:a16="http://schemas.microsoft.com/office/drawing/2014/main" id="{A427069B-D689-4A15-8986-B15016B19571}"/>
               </a:ext>
             </a:extLst>
           </p:cNvPr>
@@ -9237,8 +9244,8 @@
         </p:nvSpPr>
         <p:spPr>
           <a:xfrm>
-            <a:off x="5939168" y="993058"/>
-            <a:ext cx="1705216" cy="1712741"/>
+            <a:off x="3571929" y="4596382"/>
+            <a:ext cx="299100" cy="653350"/>
           </a:xfrm>
           <a:prstGeom prst="rect">
             <a:avLst/>
@@ -9281,10 +9288,10 @@
       </p:sp>
       <p:sp>
         <p:nvSpPr>
-          <p:cNvPr id="19" name="직사각형 18">
-            <a:extLst>
-              <a:ext uri="{FF2B5EF4-FFF2-40B4-BE49-F238E27FC236}">
-                <a16:creationId xmlns:a16="http://schemas.microsoft.com/office/drawing/2014/main" id="{97EDFF73-7FE1-4A40-B5E6-203A3619A1AF}"/>
+          <p:cNvPr id="29" name="직사각형 28">
+            <a:extLst>
+              <a:ext uri="{FF2B5EF4-FFF2-40B4-BE49-F238E27FC236}">
+                <a16:creationId xmlns:a16="http://schemas.microsoft.com/office/drawing/2014/main" id="{FCE13405-97FD-4FB9-B84E-5F468A98592C}"/>
               </a:ext>
             </a:extLst>
           </p:cNvPr>
@@ -9293,8 +9300,8 @@
         </p:nvSpPr>
         <p:spPr>
           <a:xfrm>
-            <a:off x="8618390" y="993058"/>
-            <a:ext cx="1536192" cy="1659137"/>
+            <a:off x="5314278" y="1541058"/>
+            <a:ext cx="470730" cy="3835613"/>
           </a:xfrm>
           <a:prstGeom prst="rect">
             <a:avLst/>
@@ -9337,10 +9344,10 @@
       </p:sp>
       <p:sp>
         <p:nvSpPr>
-          <p:cNvPr id="21" name="직사각형 20">
-            <a:extLst>
-              <a:ext uri="{FF2B5EF4-FFF2-40B4-BE49-F238E27FC236}">
-                <a16:creationId xmlns:a16="http://schemas.microsoft.com/office/drawing/2014/main" id="{A427069B-D689-4A15-8986-B15016B19571}"/>
+          <p:cNvPr id="30" name="직사각형 29">
+            <a:extLst>
+              <a:ext uri="{FF2B5EF4-FFF2-40B4-BE49-F238E27FC236}">
+                <a16:creationId xmlns:a16="http://schemas.microsoft.com/office/drawing/2014/main" id="{DEAE05C4-0FF2-4687-8DF7-7EDB5C66547B}"/>
               </a:ext>
             </a:extLst>
           </p:cNvPr>
@@ -9349,8 +9356,232 @@
         </p:nvSpPr>
         <p:spPr>
           <a:xfrm>
-            <a:off x="3571929" y="4596382"/>
-            <a:ext cx="299100" cy="653350"/>
+            <a:off x="10368351" y="1541058"/>
+            <a:ext cx="470730" cy="3956100"/>
+          </a:xfrm>
+          <a:prstGeom prst="rect">
+            <a:avLst/>
+          </a:prstGeom>
+          <a:solidFill>
+            <a:schemeClr val="accent6">
+              <a:lumMod val="60000"/>
+              <a:lumOff val="40000"/>
+              <a:alpha val="30000"/>
+            </a:schemeClr>
+          </a:solidFill>
+          <a:ln>
+            <a:noFill/>
+          </a:ln>
+        </p:spPr>
+        <p:style>
+          <a:lnRef idx="2">
+            <a:schemeClr val="accent1">
+              <a:shade val="50000"/>
+            </a:schemeClr>
+          </a:lnRef>
+          <a:fillRef idx="1">
+            <a:schemeClr val="accent1"/>
+          </a:fillRef>
+          <a:effectRef idx="0">
+            <a:schemeClr val="accent1"/>
+          </a:effectRef>
+          <a:fontRef idx="minor">
+            <a:schemeClr val="lt1"/>
+          </a:fontRef>
+        </p:style>
+        <p:txBody>
+          <a:bodyPr rtlCol="0" anchor="ctr"/>
+          <a:lstStyle/>
+          <a:p>
+            <a:pPr algn="ctr"/>
+            <a:endParaRPr lang="ko-KR" altLang="en-US" dirty="0"/>
+          </a:p>
+        </p:txBody>
+      </p:sp>
+      <p:sp>
+        <p:nvSpPr>
+          <p:cNvPr id="31" name="직사각형 30">
+            <a:extLst>
+              <a:ext uri="{FF2B5EF4-FFF2-40B4-BE49-F238E27FC236}">
+                <a16:creationId xmlns:a16="http://schemas.microsoft.com/office/drawing/2014/main" id="{9440C1A6-CF81-420B-B7CC-8738D7F311A5}"/>
+              </a:ext>
+            </a:extLst>
+          </p:cNvPr>
+          <p:cNvSpPr/>
+          <p:nvPr/>
+        </p:nvSpPr>
+        <p:spPr>
+          <a:xfrm>
+            <a:off x="5784711" y="1541059"/>
+            <a:ext cx="154457" cy="441362"/>
+          </a:xfrm>
+          <a:prstGeom prst="rect">
+            <a:avLst/>
+          </a:prstGeom>
+          <a:solidFill>
+            <a:schemeClr val="accent6">
+              <a:lumMod val="60000"/>
+              <a:lumOff val="40000"/>
+              <a:alpha val="30000"/>
+            </a:schemeClr>
+          </a:solidFill>
+          <a:ln>
+            <a:noFill/>
+          </a:ln>
+        </p:spPr>
+        <p:style>
+          <a:lnRef idx="2">
+            <a:schemeClr val="accent1">
+              <a:shade val="50000"/>
+            </a:schemeClr>
+          </a:lnRef>
+          <a:fillRef idx="1">
+            <a:schemeClr val="accent1"/>
+          </a:fillRef>
+          <a:effectRef idx="0">
+            <a:schemeClr val="accent1"/>
+          </a:effectRef>
+          <a:fontRef idx="minor">
+            <a:schemeClr val="lt1"/>
+          </a:fontRef>
+        </p:style>
+        <p:txBody>
+          <a:bodyPr rtlCol="0" anchor="ctr"/>
+          <a:lstStyle/>
+          <a:p>
+            <a:pPr algn="ctr"/>
+            <a:endParaRPr lang="ko-KR" altLang="en-US" dirty="0"/>
+          </a:p>
+        </p:txBody>
+      </p:sp>
+      <p:sp>
+        <p:nvSpPr>
+          <p:cNvPr id="32" name="직사각형 31">
+            <a:extLst>
+              <a:ext uri="{FF2B5EF4-FFF2-40B4-BE49-F238E27FC236}">
+                <a16:creationId xmlns:a16="http://schemas.microsoft.com/office/drawing/2014/main" id="{28C21BB7-0783-4293-8D0C-523EFC2B8CF3}"/>
+              </a:ext>
+            </a:extLst>
+          </p:cNvPr>
+          <p:cNvSpPr/>
+          <p:nvPr/>
+        </p:nvSpPr>
+        <p:spPr>
+          <a:xfrm>
+            <a:off x="10154582" y="1541059"/>
+            <a:ext cx="213769" cy="441362"/>
+          </a:xfrm>
+          <a:prstGeom prst="rect">
+            <a:avLst/>
+          </a:prstGeom>
+          <a:solidFill>
+            <a:schemeClr val="accent6">
+              <a:lumMod val="60000"/>
+              <a:lumOff val="40000"/>
+              <a:alpha val="30000"/>
+            </a:schemeClr>
+          </a:solidFill>
+          <a:ln>
+            <a:noFill/>
+          </a:ln>
+        </p:spPr>
+        <p:style>
+          <a:lnRef idx="2">
+            <a:schemeClr val="accent1">
+              <a:shade val="50000"/>
+            </a:schemeClr>
+          </a:lnRef>
+          <a:fillRef idx="1">
+            <a:schemeClr val="accent1"/>
+          </a:fillRef>
+          <a:effectRef idx="0">
+            <a:schemeClr val="accent1"/>
+          </a:effectRef>
+          <a:fontRef idx="minor">
+            <a:schemeClr val="lt1"/>
+          </a:fontRef>
+        </p:style>
+        <p:txBody>
+          <a:bodyPr rtlCol="0" anchor="ctr"/>
+          <a:lstStyle/>
+          <a:p>
+            <a:pPr algn="ctr"/>
+            <a:endParaRPr lang="ko-KR" altLang="en-US" dirty="0"/>
+          </a:p>
+        </p:txBody>
+      </p:sp>
+      <p:sp>
+        <p:nvSpPr>
+          <p:cNvPr id="33" name="직사각형 32">
+            <a:extLst>
+              <a:ext uri="{FF2B5EF4-FFF2-40B4-BE49-F238E27FC236}">
+                <a16:creationId xmlns:a16="http://schemas.microsoft.com/office/drawing/2014/main" id="{49792649-BE4E-47E3-9ABC-F8D4B5423D77}"/>
+              </a:ext>
+            </a:extLst>
+          </p:cNvPr>
+          <p:cNvSpPr/>
+          <p:nvPr/>
+        </p:nvSpPr>
+        <p:spPr>
+          <a:xfrm>
+            <a:off x="5784711" y="5096260"/>
+            <a:ext cx="1079385" cy="280411"/>
+          </a:xfrm>
+          <a:prstGeom prst="rect">
+            <a:avLst/>
+          </a:prstGeom>
+          <a:solidFill>
+            <a:schemeClr val="accent6">
+              <a:lumMod val="60000"/>
+              <a:lumOff val="40000"/>
+              <a:alpha val="30000"/>
+            </a:schemeClr>
+          </a:solidFill>
+          <a:ln>
+            <a:noFill/>
+          </a:ln>
+        </p:spPr>
+        <p:style>
+          <a:lnRef idx="2">
+            <a:schemeClr val="accent1">
+              <a:shade val="50000"/>
+            </a:schemeClr>
+          </a:lnRef>
+          <a:fillRef idx="1">
+            <a:schemeClr val="accent1"/>
+          </a:fillRef>
+          <a:effectRef idx="0">
+            <a:schemeClr val="accent1"/>
+          </a:effectRef>
+          <a:fontRef idx="minor">
+            <a:schemeClr val="lt1"/>
+          </a:fontRef>
+        </p:style>
+        <p:txBody>
+          <a:bodyPr rtlCol="0" anchor="ctr"/>
+          <a:lstStyle/>
+          <a:p>
+            <a:pPr algn="ctr"/>
+            <a:endParaRPr lang="ko-KR" altLang="en-US" dirty="0"/>
+          </a:p>
+        </p:txBody>
+      </p:sp>
+      <p:sp>
+        <p:nvSpPr>
+          <p:cNvPr id="34" name="직사각형 33">
+            <a:extLst>
+              <a:ext uri="{FF2B5EF4-FFF2-40B4-BE49-F238E27FC236}">
+                <a16:creationId xmlns:a16="http://schemas.microsoft.com/office/drawing/2014/main" id="{BC54DFDF-BB91-4B8D-B082-6F7200147E96}"/>
+              </a:ext>
+            </a:extLst>
+          </p:cNvPr>
+          <p:cNvSpPr/>
+          <p:nvPr/>
+        </p:nvSpPr>
+        <p:spPr>
+          <a:xfrm>
+            <a:off x="8614057" y="5055797"/>
+            <a:ext cx="1754295" cy="441362"/>
           </a:xfrm>
           <a:prstGeom prst="rect">
             <a:avLst/>
